--- a/Techtopia/Wayfinding Sample.pptx
+++ b/Techtopia/Wayfinding Sample.pptx
@@ -6,6 +6,8 @@
   </p:sldMasterIdLst>
   <p:sldIdLst>
     <p:sldId id="256" r:id="rId2"/>
+    <p:sldId id="257" r:id="rId3"/>
+    <p:sldId id="258" r:id="rId4"/>
   </p:sldIdLst>
   <p:sldSz cx="12192000" cy="6858000"/>
   <p:notesSz cx="6858000" cy="9144000"/>
@@ -104,6 +106,11 @@
       </a:defRPr>
     </a:lvl9pPr>
   </p:defaultTextStyle>
+  <p:extLst>
+    <p:ext uri="{EFAFB233-063F-42B5-8137-9DF3F51BA10A}">
+      <p15:sldGuideLst xmlns:p15="http://schemas.microsoft.com/office/powerpoint/2012/main"/>
+    </p:ext>
+  </p:extLst>
 </p:presentation>
 </file>
 
@@ -3034,7 +3041,7 @@
           <p:nvPr userDrawn="1">
             <p:extLst>
               <p:ext uri="{1162E1C5-73C7-4A58-AE30-91384D911F3F}">
-                <p184:classification xmlns:p184="http://schemas.microsoft.com/office/powerpoint/2018/4/main" val="hdr"/>
+                <p184:classification xmlns:p184="http://schemas.microsoft.com/office/powerpoint/2018/4/main" xmlns="" val="hdr"/>
               </p:ext>
             </p:extLst>
           </p:nvPr>
@@ -3884,7 +3891,7 @@
         </p:style>
         <p:txBody>
           <a:bodyPr rtlCol="0" anchor="ctr">
-            <a:normAutofit fontScale="85000" lnSpcReduction="10000"/>
+            <a:normAutofit/>
           </a:bodyPr>
           <a:lstStyle/>
           <a:p>
@@ -4242,7 +4249,7 @@
         </p:style>
         <p:txBody>
           <a:bodyPr rtlCol="0" anchor="ctr">
-            <a:normAutofit fontScale="62500" lnSpcReduction="20000"/>
+            <a:normAutofit fontScale="77500" lnSpcReduction="20000"/>
           </a:bodyPr>
           <a:lstStyle/>
           <a:p>
@@ -4322,7 +4329,7 @@
         <p:spPr>
           <a:xfrm>
             <a:off x="4986779" y="329938"/>
-            <a:ext cx="2452594" cy="369332"/>
+            <a:ext cx="2313262" cy="369332"/>
           </a:xfrm>
           <a:prstGeom prst="rect">
             <a:avLst/>
@@ -4337,7 +4344,7 @@
           <a:p>
             <a:r>
               <a:rPr lang="en-US" dirty="0"/>
-              <a:t>Level 3 - </a:t>
+              <a:t>Level 2 - </a:t>
             </a:r>
             <a:r>
               <a:rPr lang="en-US" dirty="0" err="1"/>
@@ -4351,6 +4358,1981 @@
     <p:extLst>
       <p:ext uri="{BB962C8B-B14F-4D97-AF65-F5344CB8AC3E}">
         <p14:creationId xmlns:p14="http://schemas.microsoft.com/office/powerpoint/2010/main" val="1756910698"/>
+      </p:ext>
+    </p:extLst>
+  </p:cSld>
+  <p:clrMapOvr>
+    <a:masterClrMapping/>
+  </p:clrMapOvr>
+</p:sld>
+</file>
+
+<file path=ppt/slides/slide2.xml><?xml version="1.0" encoding="utf-8"?>
+<p:sld xmlns:a="http://schemas.openxmlformats.org/drawingml/2006/main" xmlns:r="http://schemas.openxmlformats.org/officeDocument/2006/relationships" xmlns:p="http://schemas.openxmlformats.org/presentationml/2006/main">
+  <p:cSld>
+    <p:spTree>
+      <p:nvGrpSpPr>
+        <p:cNvPr id="1" name=""/>
+        <p:cNvGrpSpPr/>
+        <p:nvPr/>
+      </p:nvGrpSpPr>
+      <p:grpSpPr>
+        <a:xfrm>
+          <a:off x="0" y="0"/>
+          <a:ext cx="0" cy="0"/>
+          <a:chOff x="0" y="0"/>
+          <a:chExt cx="0" cy="0"/>
+        </a:xfrm>
+      </p:grpSpPr>
+      <p:sp>
+        <p:nvSpPr>
+          <p:cNvPr id="4" name="Rectangle 3">
+            <a:extLst>
+              <a:ext uri="{FF2B5EF4-FFF2-40B4-BE49-F238E27FC236}">
+                <a16:creationId xmlns:a16="http://schemas.microsoft.com/office/drawing/2014/main" id="{03BE25E4-AD90-5B70-B519-EA80A9E659B8}"/>
+              </a:ext>
+            </a:extLst>
+          </p:cNvPr>
+          <p:cNvSpPr/>
+          <p:nvPr/>
+        </p:nvSpPr>
+        <p:spPr>
+          <a:xfrm>
+            <a:off x="822036" y="914400"/>
+            <a:ext cx="10741891" cy="5440218"/>
+          </a:xfrm>
+          <a:prstGeom prst="rect">
+            <a:avLst/>
+          </a:prstGeom>
+          <a:noFill/>
+        </p:spPr>
+        <p:style>
+          <a:lnRef idx="2">
+            <a:schemeClr val="accent1">
+              <a:shade val="15000"/>
+            </a:schemeClr>
+          </a:lnRef>
+          <a:fillRef idx="1">
+            <a:schemeClr val="accent1"/>
+          </a:fillRef>
+          <a:effectRef idx="0">
+            <a:schemeClr val="accent1"/>
+          </a:effectRef>
+          <a:fontRef idx="minor">
+            <a:schemeClr val="lt1"/>
+          </a:fontRef>
+        </p:style>
+        <p:txBody>
+          <a:bodyPr rtlCol="0" anchor="ctr"/>
+          <a:lstStyle/>
+          <a:p>
+            <a:pPr algn="ctr"/>
+            <a:endParaRPr lang="en-SG"/>
+          </a:p>
+        </p:txBody>
+      </p:sp>
+      <p:sp>
+        <p:nvSpPr>
+          <p:cNvPr id="5" name="Rectangle 4">
+            <a:extLst>
+              <a:ext uri="{FF2B5EF4-FFF2-40B4-BE49-F238E27FC236}">
+                <a16:creationId xmlns:a16="http://schemas.microsoft.com/office/drawing/2014/main" id="{B3E94213-AA01-D921-02B3-40A4C3034BAA}"/>
+              </a:ext>
+            </a:extLst>
+          </p:cNvPr>
+          <p:cNvSpPr/>
+          <p:nvPr/>
+        </p:nvSpPr>
+        <p:spPr>
+          <a:xfrm>
+            <a:off x="822036" y="2862072"/>
+            <a:ext cx="915324" cy="3492546"/>
+          </a:xfrm>
+          <a:prstGeom prst="rect">
+            <a:avLst/>
+          </a:prstGeom>
+        </p:spPr>
+        <p:style>
+          <a:lnRef idx="2">
+            <a:schemeClr val="accent3">
+              <a:shade val="15000"/>
+            </a:schemeClr>
+          </a:lnRef>
+          <a:fillRef idx="1">
+            <a:schemeClr val="accent3"/>
+          </a:fillRef>
+          <a:effectRef idx="0">
+            <a:schemeClr val="accent3"/>
+          </a:effectRef>
+          <a:fontRef idx="minor">
+            <a:schemeClr val="lt1"/>
+          </a:fontRef>
+        </p:style>
+        <p:txBody>
+          <a:bodyPr rtlCol="0" anchor="ctr"/>
+          <a:lstStyle/>
+          <a:p>
+            <a:pPr algn="ctr"/>
+            <a:r>
+              <a:rPr lang="en-US" dirty="0"/>
+              <a:t>Stairs</a:t>
+            </a:r>
+            <a:endParaRPr lang="en-SG" dirty="0"/>
+          </a:p>
+        </p:txBody>
+      </p:sp>
+      <p:sp>
+        <p:nvSpPr>
+          <p:cNvPr id="6" name="Rectangle 5">
+            <a:extLst>
+              <a:ext uri="{FF2B5EF4-FFF2-40B4-BE49-F238E27FC236}">
+                <a16:creationId xmlns:a16="http://schemas.microsoft.com/office/drawing/2014/main" id="{EA8C6BBB-FFA9-3588-2E39-909F21F1403A}"/>
+              </a:ext>
+            </a:extLst>
+          </p:cNvPr>
+          <p:cNvSpPr/>
+          <p:nvPr/>
+        </p:nvSpPr>
+        <p:spPr>
+          <a:xfrm>
+            <a:off x="4348572" y="2862072"/>
+            <a:ext cx="915324" cy="3492546"/>
+          </a:xfrm>
+          <a:prstGeom prst="rect">
+            <a:avLst/>
+          </a:prstGeom>
+        </p:spPr>
+        <p:style>
+          <a:lnRef idx="2">
+            <a:schemeClr val="accent3">
+              <a:shade val="15000"/>
+            </a:schemeClr>
+          </a:lnRef>
+          <a:fillRef idx="1">
+            <a:schemeClr val="accent3"/>
+          </a:fillRef>
+          <a:effectRef idx="0">
+            <a:schemeClr val="accent3"/>
+          </a:effectRef>
+          <a:fontRef idx="minor">
+            <a:schemeClr val="lt1"/>
+          </a:fontRef>
+        </p:style>
+        <p:txBody>
+          <a:bodyPr rtlCol="0" anchor="ctr"/>
+          <a:lstStyle/>
+          <a:p>
+            <a:pPr algn="ctr"/>
+            <a:r>
+              <a:rPr lang="en-US" dirty="0"/>
+              <a:t>Stairs</a:t>
+            </a:r>
+            <a:endParaRPr lang="en-SG" dirty="0"/>
+          </a:p>
+        </p:txBody>
+      </p:sp>
+      <p:sp>
+        <p:nvSpPr>
+          <p:cNvPr id="7" name="Rectangle 6">
+            <a:extLst>
+              <a:ext uri="{FF2B5EF4-FFF2-40B4-BE49-F238E27FC236}">
+                <a16:creationId xmlns:a16="http://schemas.microsoft.com/office/drawing/2014/main" id="{7F0C9F35-C379-3915-71BF-9B5DCBE0EFE8}"/>
+              </a:ext>
+            </a:extLst>
+          </p:cNvPr>
+          <p:cNvSpPr/>
+          <p:nvPr/>
+        </p:nvSpPr>
+        <p:spPr>
+          <a:xfrm>
+            <a:off x="7122067" y="2862072"/>
+            <a:ext cx="915324" cy="3492546"/>
+          </a:xfrm>
+          <a:prstGeom prst="rect">
+            <a:avLst/>
+          </a:prstGeom>
+        </p:spPr>
+        <p:style>
+          <a:lnRef idx="2">
+            <a:schemeClr val="accent3">
+              <a:shade val="15000"/>
+            </a:schemeClr>
+          </a:lnRef>
+          <a:fillRef idx="1">
+            <a:schemeClr val="accent3"/>
+          </a:fillRef>
+          <a:effectRef idx="0">
+            <a:schemeClr val="accent3"/>
+          </a:effectRef>
+          <a:fontRef idx="minor">
+            <a:schemeClr val="lt1"/>
+          </a:fontRef>
+        </p:style>
+        <p:txBody>
+          <a:bodyPr rtlCol="0" anchor="ctr"/>
+          <a:lstStyle/>
+          <a:p>
+            <a:pPr algn="ctr"/>
+            <a:r>
+              <a:rPr lang="en-US" dirty="0"/>
+              <a:t>Stairs</a:t>
+            </a:r>
+            <a:endParaRPr lang="en-SG" dirty="0"/>
+          </a:p>
+        </p:txBody>
+      </p:sp>
+      <p:sp>
+        <p:nvSpPr>
+          <p:cNvPr id="8" name="Rectangle 7">
+            <a:extLst>
+              <a:ext uri="{FF2B5EF4-FFF2-40B4-BE49-F238E27FC236}">
+                <a16:creationId xmlns:a16="http://schemas.microsoft.com/office/drawing/2014/main" id="{A8F482EA-EA06-B591-5F1C-A8B844A32AEF}"/>
+              </a:ext>
+            </a:extLst>
+          </p:cNvPr>
+          <p:cNvSpPr/>
+          <p:nvPr/>
+        </p:nvSpPr>
+        <p:spPr>
+          <a:xfrm>
+            <a:off x="10648603" y="2862072"/>
+            <a:ext cx="915324" cy="3492546"/>
+          </a:xfrm>
+          <a:prstGeom prst="rect">
+            <a:avLst/>
+          </a:prstGeom>
+        </p:spPr>
+        <p:style>
+          <a:lnRef idx="2">
+            <a:schemeClr val="accent3">
+              <a:shade val="15000"/>
+            </a:schemeClr>
+          </a:lnRef>
+          <a:fillRef idx="1">
+            <a:schemeClr val="accent3"/>
+          </a:fillRef>
+          <a:effectRef idx="0">
+            <a:schemeClr val="accent3"/>
+          </a:effectRef>
+          <a:fontRef idx="minor">
+            <a:schemeClr val="lt1"/>
+          </a:fontRef>
+        </p:style>
+        <p:txBody>
+          <a:bodyPr rtlCol="0" anchor="ctr"/>
+          <a:lstStyle/>
+          <a:p>
+            <a:pPr algn="ctr"/>
+            <a:r>
+              <a:rPr lang="en-US" dirty="0"/>
+              <a:t>Stairs</a:t>
+            </a:r>
+            <a:endParaRPr lang="en-SG" dirty="0"/>
+          </a:p>
+        </p:txBody>
+      </p:sp>
+      <p:sp>
+        <p:nvSpPr>
+          <p:cNvPr id="9" name="Rectangle 8">
+            <a:extLst>
+              <a:ext uri="{FF2B5EF4-FFF2-40B4-BE49-F238E27FC236}">
+                <a16:creationId xmlns:a16="http://schemas.microsoft.com/office/drawing/2014/main" id="{69285F92-205D-9E52-E739-24ACF4F930E4}"/>
+              </a:ext>
+            </a:extLst>
+          </p:cNvPr>
+          <p:cNvSpPr/>
+          <p:nvPr/>
+        </p:nvSpPr>
+        <p:spPr>
+          <a:xfrm>
+            <a:off x="822036" y="914400"/>
+            <a:ext cx="4441860" cy="905256"/>
+          </a:xfrm>
+          <a:prstGeom prst="rect">
+            <a:avLst/>
+          </a:prstGeom>
+        </p:spPr>
+        <p:style>
+          <a:lnRef idx="2">
+            <a:schemeClr val="accent4">
+              <a:shade val="15000"/>
+            </a:schemeClr>
+          </a:lnRef>
+          <a:fillRef idx="1">
+            <a:schemeClr val="accent4"/>
+          </a:fillRef>
+          <a:effectRef idx="0">
+            <a:schemeClr val="accent4"/>
+          </a:effectRef>
+          <a:fontRef idx="minor">
+            <a:schemeClr val="lt1"/>
+          </a:fontRef>
+        </p:style>
+        <p:txBody>
+          <a:bodyPr rtlCol="0" anchor="ctr"/>
+          <a:lstStyle/>
+          <a:p>
+            <a:pPr algn="ctr"/>
+            <a:r>
+              <a:rPr lang="en-US" dirty="0"/>
+              <a:t>Male toilet</a:t>
+            </a:r>
+            <a:endParaRPr lang="en-SG" dirty="0"/>
+          </a:p>
+        </p:txBody>
+      </p:sp>
+      <p:sp>
+        <p:nvSpPr>
+          <p:cNvPr id="10" name="Rectangle 9">
+            <a:extLst>
+              <a:ext uri="{FF2B5EF4-FFF2-40B4-BE49-F238E27FC236}">
+                <a16:creationId xmlns:a16="http://schemas.microsoft.com/office/drawing/2014/main" id="{979CC774-DCF9-E28D-128E-30E3BD34C1B2}"/>
+              </a:ext>
+            </a:extLst>
+          </p:cNvPr>
+          <p:cNvSpPr/>
+          <p:nvPr/>
+        </p:nvSpPr>
+        <p:spPr>
+          <a:xfrm>
+            <a:off x="7122067" y="914400"/>
+            <a:ext cx="4441860" cy="905256"/>
+          </a:xfrm>
+          <a:prstGeom prst="rect">
+            <a:avLst/>
+          </a:prstGeom>
+        </p:spPr>
+        <p:style>
+          <a:lnRef idx="2">
+            <a:schemeClr val="accent4">
+              <a:shade val="15000"/>
+            </a:schemeClr>
+          </a:lnRef>
+          <a:fillRef idx="1">
+            <a:schemeClr val="accent4"/>
+          </a:fillRef>
+          <a:effectRef idx="0">
+            <a:schemeClr val="accent4"/>
+          </a:effectRef>
+          <a:fontRef idx="minor">
+            <a:schemeClr val="lt1"/>
+          </a:fontRef>
+        </p:style>
+        <p:txBody>
+          <a:bodyPr rtlCol="0" anchor="ctr"/>
+          <a:lstStyle/>
+          <a:p>
+            <a:pPr algn="ctr"/>
+            <a:r>
+              <a:rPr lang="en-US" dirty="0"/>
+              <a:t>Female toilet</a:t>
+            </a:r>
+            <a:endParaRPr lang="en-SG" dirty="0"/>
+          </a:p>
+        </p:txBody>
+      </p:sp>
+      <p:sp>
+        <p:nvSpPr>
+          <p:cNvPr id="11" name="Rectangle 10">
+            <a:extLst>
+              <a:ext uri="{FF2B5EF4-FFF2-40B4-BE49-F238E27FC236}">
+                <a16:creationId xmlns:a16="http://schemas.microsoft.com/office/drawing/2014/main" id="{99E8FF56-9995-3EDA-418B-DFFBF32D1A94}"/>
+              </a:ext>
+            </a:extLst>
+          </p:cNvPr>
+          <p:cNvSpPr/>
+          <p:nvPr/>
+        </p:nvSpPr>
+        <p:spPr>
+          <a:xfrm>
+            <a:off x="8037391" y="2862072"/>
+            <a:ext cx="2611212" cy="3492546"/>
+          </a:xfrm>
+          <a:prstGeom prst="rect">
+            <a:avLst/>
+          </a:prstGeom>
+        </p:spPr>
+        <p:style>
+          <a:lnRef idx="2">
+            <a:schemeClr val="accent1">
+              <a:shade val="15000"/>
+            </a:schemeClr>
+          </a:lnRef>
+          <a:fillRef idx="1">
+            <a:schemeClr val="accent1"/>
+          </a:fillRef>
+          <a:effectRef idx="0">
+            <a:schemeClr val="accent1"/>
+          </a:effectRef>
+          <a:fontRef idx="minor">
+            <a:schemeClr val="lt1"/>
+          </a:fontRef>
+        </p:style>
+        <p:txBody>
+          <a:bodyPr rtlCol="0" anchor="ctr"/>
+          <a:lstStyle/>
+          <a:p>
+            <a:pPr algn="ctr"/>
+            <a:r>
+              <a:rPr lang="en-US" dirty="0"/>
+              <a:t>Museum (LTL3)</a:t>
+            </a:r>
+            <a:endParaRPr lang="en-SG" dirty="0"/>
+          </a:p>
+        </p:txBody>
+      </p:sp>
+      <p:sp>
+        <p:nvSpPr>
+          <p:cNvPr id="12" name="Rectangle 11">
+            <a:extLst>
+              <a:ext uri="{FF2B5EF4-FFF2-40B4-BE49-F238E27FC236}">
+                <a16:creationId xmlns:a16="http://schemas.microsoft.com/office/drawing/2014/main" id="{40FD232F-0823-27E7-61D7-7E441BC43011}"/>
+              </a:ext>
+            </a:extLst>
+          </p:cNvPr>
+          <p:cNvSpPr/>
+          <p:nvPr/>
+        </p:nvSpPr>
+        <p:spPr>
+          <a:xfrm>
+            <a:off x="1737360" y="2862072"/>
+            <a:ext cx="2611212" cy="3492546"/>
+          </a:xfrm>
+          <a:prstGeom prst="rect">
+            <a:avLst/>
+          </a:prstGeom>
+          <a:solidFill>
+            <a:schemeClr val="bg1">
+              <a:lumMod val="75000"/>
+            </a:schemeClr>
+          </a:solidFill>
+        </p:spPr>
+        <p:style>
+          <a:lnRef idx="2">
+            <a:schemeClr val="accent1">
+              <a:shade val="15000"/>
+            </a:schemeClr>
+          </a:lnRef>
+          <a:fillRef idx="1">
+            <a:schemeClr val="accent1"/>
+          </a:fillRef>
+          <a:effectRef idx="0">
+            <a:schemeClr val="accent1"/>
+          </a:effectRef>
+          <a:fontRef idx="minor">
+            <a:schemeClr val="lt1"/>
+          </a:fontRef>
+        </p:style>
+        <p:txBody>
+          <a:bodyPr rtlCol="0" anchor="ctr"/>
+          <a:lstStyle/>
+          <a:p>
+            <a:pPr algn="ctr"/>
+            <a:r>
+              <a:rPr lang="en-US" dirty="0"/>
+              <a:t>Museum (LTL3)</a:t>
+            </a:r>
+            <a:endParaRPr lang="en-SG" dirty="0"/>
+          </a:p>
+        </p:txBody>
+      </p:sp>
+      <p:sp>
+        <p:nvSpPr>
+          <p:cNvPr id="13" name="Rectangle 12">
+            <a:extLst>
+              <a:ext uri="{FF2B5EF4-FFF2-40B4-BE49-F238E27FC236}">
+                <a16:creationId xmlns:a16="http://schemas.microsoft.com/office/drawing/2014/main" id="{96EA524F-7548-29D3-DCA5-2983B607B44B}"/>
+              </a:ext>
+            </a:extLst>
+          </p:cNvPr>
+          <p:cNvSpPr/>
+          <p:nvPr/>
+        </p:nvSpPr>
+        <p:spPr>
+          <a:xfrm>
+            <a:off x="3042966" y="1819656"/>
+            <a:ext cx="1556466" cy="374904"/>
+          </a:xfrm>
+          <a:prstGeom prst="rect">
+            <a:avLst/>
+          </a:prstGeom>
+          <a:solidFill>
+            <a:schemeClr val="accent1"/>
+          </a:solidFill>
+        </p:spPr>
+        <p:style>
+          <a:lnRef idx="2">
+            <a:schemeClr val="accent1">
+              <a:shade val="15000"/>
+            </a:schemeClr>
+          </a:lnRef>
+          <a:fillRef idx="1">
+            <a:schemeClr val="accent1"/>
+          </a:fillRef>
+          <a:effectRef idx="0">
+            <a:schemeClr val="accent1"/>
+          </a:effectRef>
+          <a:fontRef idx="minor">
+            <a:schemeClr val="lt1"/>
+          </a:fontRef>
+        </p:style>
+        <p:txBody>
+          <a:bodyPr rtlCol="0" anchor="ctr">
+            <a:normAutofit/>
+          </a:bodyPr>
+          <a:lstStyle/>
+          <a:p>
+            <a:pPr algn="ctr"/>
+            <a:r>
+              <a:rPr lang="en-US" b="1" dirty="0"/>
+              <a:t>Cybersecurity</a:t>
+            </a:r>
+            <a:endParaRPr lang="en-SG" b="1" dirty="0"/>
+          </a:p>
+        </p:txBody>
+      </p:sp>
+      <p:cxnSp>
+        <p:nvCxnSpPr>
+          <p:cNvPr id="15" name="Straight Arrow Connector 14">
+            <a:extLst>
+              <a:ext uri="{FF2B5EF4-FFF2-40B4-BE49-F238E27FC236}">
+                <a16:creationId xmlns:a16="http://schemas.microsoft.com/office/drawing/2014/main" id="{F1A38F41-A8AE-AD7A-B373-6B39391E9B85}"/>
+              </a:ext>
+            </a:extLst>
+          </p:cNvPr>
+          <p:cNvCxnSpPr>
+            <a:cxnSpLocks/>
+          </p:cNvCxnSpPr>
+          <p:nvPr/>
+        </p:nvCxnSpPr>
+        <p:spPr>
+          <a:xfrm>
+            <a:off x="166255" y="2359337"/>
+            <a:ext cx="822036" cy="0"/>
+          </a:xfrm>
+          <a:prstGeom prst="straightConnector1">
+            <a:avLst/>
+          </a:prstGeom>
+          <a:ln w="127000">
+            <a:tailEnd type="triangle"/>
+          </a:ln>
+        </p:spPr>
+        <p:style>
+          <a:lnRef idx="2">
+            <a:schemeClr val="accent1"/>
+          </a:lnRef>
+          <a:fillRef idx="0">
+            <a:schemeClr val="accent1"/>
+          </a:fillRef>
+          <a:effectRef idx="1">
+            <a:schemeClr val="accent1"/>
+          </a:effectRef>
+          <a:fontRef idx="minor">
+            <a:schemeClr val="tx1"/>
+          </a:fontRef>
+        </p:style>
+      </p:cxnSp>
+      <p:sp>
+        <p:nvSpPr>
+          <p:cNvPr id="17" name="Rectangle 16">
+            <a:extLst>
+              <a:ext uri="{FF2B5EF4-FFF2-40B4-BE49-F238E27FC236}">
+                <a16:creationId xmlns:a16="http://schemas.microsoft.com/office/drawing/2014/main" id="{3934ED3F-014B-7026-E735-F2EC1923C205}"/>
+              </a:ext>
+            </a:extLst>
+          </p:cNvPr>
+          <p:cNvSpPr/>
+          <p:nvPr/>
+        </p:nvSpPr>
+        <p:spPr>
+          <a:xfrm>
+            <a:off x="6611112" y="914400"/>
+            <a:ext cx="510955" cy="502920"/>
+          </a:xfrm>
+          <a:prstGeom prst="rect">
+            <a:avLst/>
+          </a:prstGeom>
+        </p:spPr>
+        <p:style>
+          <a:lnRef idx="2">
+            <a:schemeClr val="accent1">
+              <a:shade val="15000"/>
+            </a:schemeClr>
+          </a:lnRef>
+          <a:fillRef idx="1">
+            <a:schemeClr val="accent1"/>
+          </a:fillRef>
+          <a:effectRef idx="0">
+            <a:schemeClr val="accent1"/>
+          </a:effectRef>
+          <a:fontRef idx="minor">
+            <a:schemeClr val="lt1"/>
+          </a:fontRef>
+        </p:style>
+        <p:txBody>
+          <a:bodyPr rtlCol="0" anchor="ctr"/>
+          <a:lstStyle/>
+          <a:p>
+            <a:pPr algn="ctr"/>
+            <a:r>
+              <a:rPr lang="en-US" dirty="0"/>
+              <a:t>Lift</a:t>
+            </a:r>
+            <a:endParaRPr lang="en-SG" dirty="0"/>
+          </a:p>
+        </p:txBody>
+      </p:sp>
+      <p:sp>
+        <p:nvSpPr>
+          <p:cNvPr id="19" name="TextBox 18">
+            <a:extLst>
+              <a:ext uri="{FF2B5EF4-FFF2-40B4-BE49-F238E27FC236}">
+                <a16:creationId xmlns:a16="http://schemas.microsoft.com/office/drawing/2014/main" id="{D09EAA8F-B6CC-F45D-854C-E6F9030A6E24}"/>
+              </a:ext>
+            </a:extLst>
+          </p:cNvPr>
+          <p:cNvSpPr txBox="1"/>
+          <p:nvPr/>
+        </p:nvSpPr>
+        <p:spPr>
+          <a:xfrm>
+            <a:off x="11367249" y="2525513"/>
+            <a:ext cx="1025237" cy="276999"/>
+          </a:xfrm>
+          <a:prstGeom prst="rect">
+            <a:avLst/>
+          </a:prstGeom>
+          <a:noFill/>
+        </p:spPr>
+        <p:txBody>
+          <a:bodyPr wrap="square" rtlCol="0">
+            <a:spAutoFit/>
+          </a:bodyPr>
+          <a:lstStyle/>
+          <a:p>
+            <a:r>
+              <a:rPr lang="en-US" sz="1200" dirty="0"/>
+              <a:t>From SDM</a:t>
+            </a:r>
+            <a:endParaRPr lang="en-SG" sz="1200" dirty="0"/>
+          </a:p>
+        </p:txBody>
+      </p:sp>
+      <p:cxnSp>
+        <p:nvCxnSpPr>
+          <p:cNvPr id="21" name="Straight Arrow Connector 20">
+            <a:extLst>
+              <a:ext uri="{FF2B5EF4-FFF2-40B4-BE49-F238E27FC236}">
+                <a16:creationId xmlns:a16="http://schemas.microsoft.com/office/drawing/2014/main" id="{2AEE31E5-895E-12A3-7057-CF8785E076DB}"/>
+              </a:ext>
+            </a:extLst>
+          </p:cNvPr>
+          <p:cNvCxnSpPr>
+            <a:cxnSpLocks/>
+          </p:cNvCxnSpPr>
+          <p:nvPr/>
+        </p:nvCxnSpPr>
+        <p:spPr>
+          <a:xfrm flipH="1">
+            <a:off x="11357956" y="2359337"/>
+            <a:ext cx="834044" cy="0"/>
+          </a:xfrm>
+          <a:prstGeom prst="straightConnector1">
+            <a:avLst/>
+          </a:prstGeom>
+          <a:ln w="127000">
+            <a:tailEnd type="triangle"/>
+          </a:ln>
+        </p:spPr>
+        <p:style>
+          <a:lnRef idx="2">
+            <a:schemeClr val="accent1"/>
+          </a:lnRef>
+          <a:fillRef idx="0">
+            <a:schemeClr val="accent1"/>
+          </a:fillRef>
+          <a:effectRef idx="1">
+            <a:schemeClr val="accent1"/>
+          </a:effectRef>
+          <a:fontRef idx="minor">
+            <a:schemeClr val="tx1"/>
+          </a:fontRef>
+        </p:style>
+      </p:cxnSp>
+      <p:sp>
+        <p:nvSpPr>
+          <p:cNvPr id="25" name="TextBox 24">
+            <a:extLst>
+              <a:ext uri="{FF2B5EF4-FFF2-40B4-BE49-F238E27FC236}">
+                <a16:creationId xmlns:a16="http://schemas.microsoft.com/office/drawing/2014/main" id="{F6C5FCB6-23EE-A603-10DD-8488443850F7}"/>
+              </a:ext>
+            </a:extLst>
+          </p:cNvPr>
+          <p:cNvSpPr txBox="1"/>
+          <p:nvPr/>
+        </p:nvSpPr>
+        <p:spPr>
+          <a:xfrm>
+            <a:off x="0" y="2525513"/>
+            <a:ext cx="1025237" cy="461665"/>
+          </a:xfrm>
+          <a:prstGeom prst="rect">
+            <a:avLst/>
+          </a:prstGeom>
+          <a:noFill/>
+        </p:spPr>
+        <p:txBody>
+          <a:bodyPr wrap="square" rtlCol="0">
+            <a:spAutoFit/>
+          </a:bodyPr>
+          <a:lstStyle/>
+          <a:p>
+            <a:r>
+              <a:rPr lang="en-US" sz="1200" dirty="0"/>
+              <a:t>From NYP Auditorium</a:t>
+            </a:r>
+            <a:endParaRPr lang="en-SG" sz="1200" dirty="0"/>
+          </a:p>
+        </p:txBody>
+      </p:sp>
+      <p:sp>
+        <p:nvSpPr>
+          <p:cNvPr id="26" name="Rectangle 25">
+            <a:extLst>
+              <a:ext uri="{FF2B5EF4-FFF2-40B4-BE49-F238E27FC236}">
+                <a16:creationId xmlns:a16="http://schemas.microsoft.com/office/drawing/2014/main" id="{2AAA842F-ACE4-10E8-3489-7DA996D4924F}"/>
+              </a:ext>
+            </a:extLst>
+          </p:cNvPr>
+          <p:cNvSpPr/>
+          <p:nvPr/>
+        </p:nvSpPr>
+        <p:spPr>
+          <a:xfrm>
+            <a:off x="9092137" y="2476560"/>
+            <a:ext cx="1556466" cy="374904"/>
+          </a:xfrm>
+          <a:prstGeom prst="rect">
+            <a:avLst/>
+          </a:prstGeom>
+        </p:spPr>
+        <p:style>
+          <a:lnRef idx="2">
+            <a:schemeClr val="accent1">
+              <a:shade val="15000"/>
+            </a:schemeClr>
+          </a:lnRef>
+          <a:fillRef idx="1">
+            <a:schemeClr val="accent1"/>
+          </a:fillRef>
+          <a:effectRef idx="0">
+            <a:schemeClr val="accent1"/>
+          </a:effectRef>
+          <a:fontRef idx="minor">
+            <a:schemeClr val="lt1"/>
+          </a:fontRef>
+        </p:style>
+        <p:txBody>
+          <a:bodyPr rtlCol="0" anchor="ctr">
+            <a:normAutofit/>
+          </a:bodyPr>
+          <a:lstStyle/>
+          <a:p>
+            <a:pPr algn="ctr"/>
+            <a:r>
+              <a:rPr lang="en-US" dirty="0"/>
+              <a:t>Drone</a:t>
+            </a:r>
+            <a:endParaRPr lang="en-SG" dirty="0"/>
+          </a:p>
+        </p:txBody>
+      </p:sp>
+      <p:sp>
+        <p:nvSpPr>
+          <p:cNvPr id="27" name="Rectangle 26">
+            <a:extLst>
+              <a:ext uri="{FF2B5EF4-FFF2-40B4-BE49-F238E27FC236}">
+                <a16:creationId xmlns:a16="http://schemas.microsoft.com/office/drawing/2014/main" id="{FB48E2A9-AD52-C07E-1DF2-802DC902CA83}"/>
+              </a:ext>
+            </a:extLst>
+          </p:cNvPr>
+          <p:cNvSpPr/>
+          <p:nvPr/>
+        </p:nvSpPr>
+        <p:spPr>
+          <a:xfrm>
+            <a:off x="5263896" y="4420893"/>
+            <a:ext cx="1556466" cy="374904"/>
+          </a:xfrm>
+          <a:prstGeom prst="rect">
+            <a:avLst/>
+          </a:prstGeom>
+        </p:spPr>
+        <p:style>
+          <a:lnRef idx="2">
+            <a:schemeClr val="accent1">
+              <a:shade val="15000"/>
+            </a:schemeClr>
+          </a:lnRef>
+          <a:fillRef idx="1">
+            <a:schemeClr val="accent1"/>
+          </a:fillRef>
+          <a:effectRef idx="0">
+            <a:schemeClr val="accent1"/>
+          </a:effectRef>
+          <a:fontRef idx="minor">
+            <a:schemeClr val="lt1"/>
+          </a:fontRef>
+        </p:style>
+        <p:txBody>
+          <a:bodyPr rtlCol="0" anchor="ctr"/>
+          <a:lstStyle/>
+          <a:p>
+            <a:pPr algn="ctr"/>
+            <a:r>
+              <a:rPr lang="en-US" dirty="0"/>
+              <a:t>Redemption</a:t>
+            </a:r>
+            <a:endParaRPr lang="en-SG" dirty="0"/>
+          </a:p>
+        </p:txBody>
+      </p:sp>
+      <p:sp>
+        <p:nvSpPr>
+          <p:cNvPr id="28" name="Rectangle 27">
+            <a:extLst>
+              <a:ext uri="{FF2B5EF4-FFF2-40B4-BE49-F238E27FC236}">
+                <a16:creationId xmlns:a16="http://schemas.microsoft.com/office/drawing/2014/main" id="{E7574273-BF28-A6AC-FDAC-22F334CA6883}"/>
+              </a:ext>
+            </a:extLst>
+          </p:cNvPr>
+          <p:cNvSpPr/>
+          <p:nvPr/>
+        </p:nvSpPr>
+        <p:spPr>
+          <a:xfrm>
+            <a:off x="5565601" y="3003573"/>
+            <a:ext cx="1556466" cy="374904"/>
+          </a:xfrm>
+          <a:prstGeom prst="rect">
+            <a:avLst/>
+          </a:prstGeom>
+          <a:solidFill>
+            <a:srgbClr val="FF0000"/>
+          </a:solidFill>
+        </p:spPr>
+        <p:style>
+          <a:lnRef idx="2">
+            <a:schemeClr val="accent1">
+              <a:shade val="15000"/>
+            </a:schemeClr>
+          </a:lnRef>
+          <a:fillRef idx="1">
+            <a:schemeClr val="accent1"/>
+          </a:fillRef>
+          <a:effectRef idx="0">
+            <a:schemeClr val="accent1"/>
+          </a:effectRef>
+          <a:fontRef idx="minor">
+            <a:schemeClr val="lt1"/>
+          </a:fontRef>
+        </p:style>
+        <p:txBody>
+          <a:bodyPr rtlCol="0" anchor="ctr">
+            <a:normAutofit fontScale="77500" lnSpcReduction="20000"/>
+          </a:bodyPr>
+          <a:lstStyle/>
+          <a:p>
+            <a:pPr algn="ctr"/>
+            <a:r>
+              <a:rPr lang="en-US" dirty="0"/>
+              <a:t>FinTech-Blockchain</a:t>
+            </a:r>
+            <a:endParaRPr lang="en-SG" dirty="0"/>
+          </a:p>
+        </p:txBody>
+      </p:sp>
+      <p:sp>
+        <p:nvSpPr>
+          <p:cNvPr id="29" name="Rectangle 28">
+            <a:extLst>
+              <a:ext uri="{FF2B5EF4-FFF2-40B4-BE49-F238E27FC236}">
+                <a16:creationId xmlns:a16="http://schemas.microsoft.com/office/drawing/2014/main" id="{DD73BDF0-F983-0C84-99A3-086E2E281D40}"/>
+              </a:ext>
+            </a:extLst>
+          </p:cNvPr>
+          <p:cNvSpPr/>
+          <p:nvPr/>
+        </p:nvSpPr>
+        <p:spPr>
+          <a:xfrm>
+            <a:off x="5263896" y="1450074"/>
+            <a:ext cx="1556466" cy="374904"/>
+          </a:xfrm>
+          <a:prstGeom prst="rect">
+            <a:avLst/>
+          </a:prstGeom>
+        </p:spPr>
+        <p:style>
+          <a:lnRef idx="2">
+            <a:schemeClr val="accent1">
+              <a:shade val="15000"/>
+            </a:schemeClr>
+          </a:lnRef>
+          <a:fillRef idx="1">
+            <a:schemeClr val="accent1"/>
+          </a:fillRef>
+          <a:effectRef idx="0">
+            <a:schemeClr val="accent1"/>
+          </a:effectRef>
+          <a:fontRef idx="minor">
+            <a:schemeClr val="lt1"/>
+          </a:fontRef>
+        </p:style>
+        <p:txBody>
+          <a:bodyPr rtlCol="0" anchor="ctr">
+            <a:normAutofit/>
+          </a:bodyPr>
+          <a:lstStyle/>
+          <a:p>
+            <a:pPr algn="ctr"/>
+            <a:r>
+              <a:rPr lang="en-US" dirty="0"/>
+              <a:t>AI</a:t>
+            </a:r>
+            <a:endParaRPr lang="en-SG" dirty="0"/>
+          </a:p>
+        </p:txBody>
+      </p:sp>
+      <p:sp>
+        <p:nvSpPr>
+          <p:cNvPr id="30" name="TextBox 29">
+            <a:extLst>
+              <a:ext uri="{FF2B5EF4-FFF2-40B4-BE49-F238E27FC236}">
+                <a16:creationId xmlns:a16="http://schemas.microsoft.com/office/drawing/2014/main" id="{AC36FFD4-1BB7-7A2F-92BC-2EF87B562674}"/>
+              </a:ext>
+            </a:extLst>
+          </p:cNvPr>
+          <p:cNvSpPr txBox="1"/>
+          <p:nvPr/>
+        </p:nvSpPr>
+        <p:spPr>
+          <a:xfrm>
+            <a:off x="4986779" y="329938"/>
+            <a:ext cx="2800190" cy="369332"/>
+          </a:xfrm>
+          <a:prstGeom prst="rect">
+            <a:avLst/>
+          </a:prstGeom>
+          <a:noFill/>
+        </p:spPr>
+        <p:txBody>
+          <a:bodyPr wrap="none" rtlCol="0">
+            <a:spAutoFit/>
+          </a:bodyPr>
+          <a:lstStyle/>
+          <a:p>
+            <a:r>
+              <a:rPr lang="en-US" dirty="0"/>
+              <a:t>Level 2 – Fintech Blockchain</a:t>
+            </a:r>
+            <a:endParaRPr lang="en-SG" dirty="0"/>
+          </a:p>
+        </p:txBody>
+      </p:sp>
+    </p:spTree>
+    <p:extLst>
+      <p:ext uri="{BB962C8B-B14F-4D97-AF65-F5344CB8AC3E}">
+        <p14:creationId xmlns:p14="http://schemas.microsoft.com/office/powerpoint/2010/main" val="4075088386"/>
+      </p:ext>
+    </p:extLst>
+  </p:cSld>
+  <p:clrMapOvr>
+    <a:masterClrMapping/>
+  </p:clrMapOvr>
+</p:sld>
+</file>
+
+<file path=ppt/slides/slide3.xml><?xml version="1.0" encoding="utf-8"?>
+<p:sld xmlns:a="http://schemas.openxmlformats.org/drawingml/2006/main" xmlns:r="http://schemas.openxmlformats.org/officeDocument/2006/relationships" xmlns:p="http://schemas.openxmlformats.org/presentationml/2006/main">
+  <p:cSld>
+    <p:spTree>
+      <p:nvGrpSpPr>
+        <p:cNvPr id="1" name=""/>
+        <p:cNvGrpSpPr/>
+        <p:nvPr/>
+      </p:nvGrpSpPr>
+      <p:grpSpPr>
+        <a:xfrm>
+          <a:off x="0" y="0"/>
+          <a:ext cx="0" cy="0"/>
+          <a:chOff x="0" y="0"/>
+          <a:chExt cx="0" cy="0"/>
+        </a:xfrm>
+      </p:grpSpPr>
+      <p:sp>
+        <p:nvSpPr>
+          <p:cNvPr id="4" name="Rectangle 3">
+            <a:extLst>
+              <a:ext uri="{FF2B5EF4-FFF2-40B4-BE49-F238E27FC236}">
+                <a16:creationId xmlns:a16="http://schemas.microsoft.com/office/drawing/2014/main" id="{03BE25E4-AD90-5B70-B519-EA80A9E659B8}"/>
+              </a:ext>
+            </a:extLst>
+          </p:cNvPr>
+          <p:cNvSpPr/>
+          <p:nvPr/>
+        </p:nvSpPr>
+        <p:spPr>
+          <a:xfrm>
+            <a:off x="822036" y="914400"/>
+            <a:ext cx="10741891" cy="5440218"/>
+          </a:xfrm>
+          <a:prstGeom prst="rect">
+            <a:avLst/>
+          </a:prstGeom>
+          <a:noFill/>
+        </p:spPr>
+        <p:style>
+          <a:lnRef idx="2">
+            <a:schemeClr val="accent1">
+              <a:shade val="15000"/>
+            </a:schemeClr>
+          </a:lnRef>
+          <a:fillRef idx="1">
+            <a:schemeClr val="accent1"/>
+          </a:fillRef>
+          <a:effectRef idx="0">
+            <a:schemeClr val="accent1"/>
+          </a:effectRef>
+          <a:fontRef idx="minor">
+            <a:schemeClr val="lt1"/>
+          </a:fontRef>
+        </p:style>
+        <p:txBody>
+          <a:bodyPr rtlCol="0" anchor="ctr"/>
+          <a:lstStyle/>
+          <a:p>
+            <a:pPr algn="ctr"/>
+            <a:endParaRPr lang="en-SG"/>
+          </a:p>
+        </p:txBody>
+      </p:sp>
+      <p:sp>
+        <p:nvSpPr>
+          <p:cNvPr id="5" name="Rectangle 4">
+            <a:extLst>
+              <a:ext uri="{FF2B5EF4-FFF2-40B4-BE49-F238E27FC236}">
+                <a16:creationId xmlns:a16="http://schemas.microsoft.com/office/drawing/2014/main" id="{B3E94213-AA01-D921-02B3-40A4C3034BAA}"/>
+              </a:ext>
+            </a:extLst>
+          </p:cNvPr>
+          <p:cNvSpPr/>
+          <p:nvPr/>
+        </p:nvSpPr>
+        <p:spPr>
+          <a:xfrm>
+            <a:off x="822036" y="2862072"/>
+            <a:ext cx="915324" cy="3492546"/>
+          </a:xfrm>
+          <a:prstGeom prst="rect">
+            <a:avLst/>
+          </a:prstGeom>
+        </p:spPr>
+        <p:style>
+          <a:lnRef idx="2">
+            <a:schemeClr val="accent3">
+              <a:shade val="15000"/>
+            </a:schemeClr>
+          </a:lnRef>
+          <a:fillRef idx="1">
+            <a:schemeClr val="accent3"/>
+          </a:fillRef>
+          <a:effectRef idx="0">
+            <a:schemeClr val="accent3"/>
+          </a:effectRef>
+          <a:fontRef idx="minor">
+            <a:schemeClr val="lt1"/>
+          </a:fontRef>
+        </p:style>
+        <p:txBody>
+          <a:bodyPr rtlCol="0" anchor="ctr"/>
+          <a:lstStyle/>
+          <a:p>
+            <a:pPr algn="ctr"/>
+            <a:r>
+              <a:rPr lang="en-US" dirty="0"/>
+              <a:t>Stairs</a:t>
+            </a:r>
+            <a:endParaRPr lang="en-SG" dirty="0"/>
+          </a:p>
+        </p:txBody>
+      </p:sp>
+      <p:sp>
+        <p:nvSpPr>
+          <p:cNvPr id="6" name="Rectangle 5">
+            <a:extLst>
+              <a:ext uri="{FF2B5EF4-FFF2-40B4-BE49-F238E27FC236}">
+                <a16:creationId xmlns:a16="http://schemas.microsoft.com/office/drawing/2014/main" id="{EA8C6BBB-FFA9-3588-2E39-909F21F1403A}"/>
+              </a:ext>
+            </a:extLst>
+          </p:cNvPr>
+          <p:cNvSpPr/>
+          <p:nvPr/>
+        </p:nvSpPr>
+        <p:spPr>
+          <a:xfrm>
+            <a:off x="4348572" y="2862072"/>
+            <a:ext cx="915324" cy="3492546"/>
+          </a:xfrm>
+          <a:prstGeom prst="rect">
+            <a:avLst/>
+          </a:prstGeom>
+        </p:spPr>
+        <p:style>
+          <a:lnRef idx="2">
+            <a:schemeClr val="accent3">
+              <a:shade val="15000"/>
+            </a:schemeClr>
+          </a:lnRef>
+          <a:fillRef idx="1">
+            <a:schemeClr val="accent3"/>
+          </a:fillRef>
+          <a:effectRef idx="0">
+            <a:schemeClr val="accent3"/>
+          </a:effectRef>
+          <a:fontRef idx="minor">
+            <a:schemeClr val="lt1"/>
+          </a:fontRef>
+        </p:style>
+        <p:txBody>
+          <a:bodyPr rtlCol="0" anchor="ctr"/>
+          <a:lstStyle/>
+          <a:p>
+            <a:pPr algn="ctr"/>
+            <a:r>
+              <a:rPr lang="en-US" dirty="0"/>
+              <a:t>Stairs</a:t>
+            </a:r>
+            <a:endParaRPr lang="en-SG" dirty="0"/>
+          </a:p>
+        </p:txBody>
+      </p:sp>
+      <p:sp>
+        <p:nvSpPr>
+          <p:cNvPr id="7" name="Rectangle 6">
+            <a:extLst>
+              <a:ext uri="{FF2B5EF4-FFF2-40B4-BE49-F238E27FC236}">
+                <a16:creationId xmlns:a16="http://schemas.microsoft.com/office/drawing/2014/main" id="{7F0C9F35-C379-3915-71BF-9B5DCBE0EFE8}"/>
+              </a:ext>
+            </a:extLst>
+          </p:cNvPr>
+          <p:cNvSpPr/>
+          <p:nvPr/>
+        </p:nvSpPr>
+        <p:spPr>
+          <a:xfrm>
+            <a:off x="7122067" y="2862072"/>
+            <a:ext cx="915324" cy="3492546"/>
+          </a:xfrm>
+          <a:prstGeom prst="rect">
+            <a:avLst/>
+          </a:prstGeom>
+        </p:spPr>
+        <p:style>
+          <a:lnRef idx="2">
+            <a:schemeClr val="accent3">
+              <a:shade val="15000"/>
+            </a:schemeClr>
+          </a:lnRef>
+          <a:fillRef idx="1">
+            <a:schemeClr val="accent3"/>
+          </a:fillRef>
+          <a:effectRef idx="0">
+            <a:schemeClr val="accent3"/>
+          </a:effectRef>
+          <a:fontRef idx="minor">
+            <a:schemeClr val="lt1"/>
+          </a:fontRef>
+        </p:style>
+        <p:txBody>
+          <a:bodyPr rtlCol="0" anchor="ctr"/>
+          <a:lstStyle/>
+          <a:p>
+            <a:pPr algn="ctr"/>
+            <a:r>
+              <a:rPr lang="en-US" dirty="0"/>
+              <a:t>Stairs</a:t>
+            </a:r>
+            <a:endParaRPr lang="en-SG" dirty="0"/>
+          </a:p>
+        </p:txBody>
+      </p:sp>
+      <p:sp>
+        <p:nvSpPr>
+          <p:cNvPr id="8" name="Rectangle 7">
+            <a:extLst>
+              <a:ext uri="{FF2B5EF4-FFF2-40B4-BE49-F238E27FC236}">
+                <a16:creationId xmlns:a16="http://schemas.microsoft.com/office/drawing/2014/main" id="{A8F482EA-EA06-B591-5F1C-A8B844A32AEF}"/>
+              </a:ext>
+            </a:extLst>
+          </p:cNvPr>
+          <p:cNvSpPr/>
+          <p:nvPr/>
+        </p:nvSpPr>
+        <p:spPr>
+          <a:xfrm>
+            <a:off x="10648603" y="2862072"/>
+            <a:ext cx="915324" cy="3492546"/>
+          </a:xfrm>
+          <a:prstGeom prst="rect">
+            <a:avLst/>
+          </a:prstGeom>
+        </p:spPr>
+        <p:style>
+          <a:lnRef idx="2">
+            <a:schemeClr val="accent3">
+              <a:shade val="15000"/>
+            </a:schemeClr>
+          </a:lnRef>
+          <a:fillRef idx="1">
+            <a:schemeClr val="accent3"/>
+          </a:fillRef>
+          <a:effectRef idx="0">
+            <a:schemeClr val="accent3"/>
+          </a:effectRef>
+          <a:fontRef idx="minor">
+            <a:schemeClr val="lt1"/>
+          </a:fontRef>
+        </p:style>
+        <p:txBody>
+          <a:bodyPr rtlCol="0" anchor="ctr"/>
+          <a:lstStyle/>
+          <a:p>
+            <a:pPr algn="ctr"/>
+            <a:r>
+              <a:rPr lang="en-US" dirty="0"/>
+              <a:t>Stairs</a:t>
+            </a:r>
+            <a:endParaRPr lang="en-SG" dirty="0"/>
+          </a:p>
+        </p:txBody>
+      </p:sp>
+      <p:sp>
+        <p:nvSpPr>
+          <p:cNvPr id="9" name="Rectangle 8">
+            <a:extLst>
+              <a:ext uri="{FF2B5EF4-FFF2-40B4-BE49-F238E27FC236}">
+                <a16:creationId xmlns:a16="http://schemas.microsoft.com/office/drawing/2014/main" id="{69285F92-205D-9E52-E739-24ACF4F930E4}"/>
+              </a:ext>
+            </a:extLst>
+          </p:cNvPr>
+          <p:cNvSpPr/>
+          <p:nvPr/>
+        </p:nvSpPr>
+        <p:spPr>
+          <a:xfrm>
+            <a:off x="822036" y="914400"/>
+            <a:ext cx="4441860" cy="905256"/>
+          </a:xfrm>
+          <a:prstGeom prst="rect">
+            <a:avLst/>
+          </a:prstGeom>
+        </p:spPr>
+        <p:style>
+          <a:lnRef idx="2">
+            <a:schemeClr val="accent4">
+              <a:shade val="15000"/>
+            </a:schemeClr>
+          </a:lnRef>
+          <a:fillRef idx="1">
+            <a:schemeClr val="accent4"/>
+          </a:fillRef>
+          <a:effectRef idx="0">
+            <a:schemeClr val="accent4"/>
+          </a:effectRef>
+          <a:fontRef idx="minor">
+            <a:schemeClr val="lt1"/>
+          </a:fontRef>
+        </p:style>
+        <p:txBody>
+          <a:bodyPr rtlCol="0" anchor="ctr"/>
+          <a:lstStyle/>
+          <a:p>
+            <a:pPr algn="ctr"/>
+            <a:r>
+              <a:rPr lang="en-US" dirty="0"/>
+              <a:t>Male toilet</a:t>
+            </a:r>
+            <a:endParaRPr lang="en-SG" dirty="0"/>
+          </a:p>
+        </p:txBody>
+      </p:sp>
+      <p:sp>
+        <p:nvSpPr>
+          <p:cNvPr id="10" name="Rectangle 9">
+            <a:extLst>
+              <a:ext uri="{FF2B5EF4-FFF2-40B4-BE49-F238E27FC236}">
+                <a16:creationId xmlns:a16="http://schemas.microsoft.com/office/drawing/2014/main" id="{979CC774-DCF9-E28D-128E-30E3BD34C1B2}"/>
+              </a:ext>
+            </a:extLst>
+          </p:cNvPr>
+          <p:cNvSpPr/>
+          <p:nvPr/>
+        </p:nvSpPr>
+        <p:spPr>
+          <a:xfrm>
+            <a:off x="7122067" y="914400"/>
+            <a:ext cx="4441860" cy="905256"/>
+          </a:xfrm>
+          <a:prstGeom prst="rect">
+            <a:avLst/>
+          </a:prstGeom>
+        </p:spPr>
+        <p:style>
+          <a:lnRef idx="2">
+            <a:schemeClr val="accent4">
+              <a:shade val="15000"/>
+            </a:schemeClr>
+          </a:lnRef>
+          <a:fillRef idx="1">
+            <a:schemeClr val="accent4"/>
+          </a:fillRef>
+          <a:effectRef idx="0">
+            <a:schemeClr val="accent4"/>
+          </a:effectRef>
+          <a:fontRef idx="minor">
+            <a:schemeClr val="lt1"/>
+          </a:fontRef>
+        </p:style>
+        <p:txBody>
+          <a:bodyPr rtlCol="0" anchor="ctr"/>
+          <a:lstStyle/>
+          <a:p>
+            <a:pPr algn="ctr"/>
+            <a:r>
+              <a:rPr lang="en-US" dirty="0"/>
+              <a:t>Female toilet</a:t>
+            </a:r>
+            <a:endParaRPr lang="en-SG" dirty="0"/>
+          </a:p>
+        </p:txBody>
+      </p:sp>
+      <p:sp>
+        <p:nvSpPr>
+          <p:cNvPr id="11" name="Rectangle 10">
+            <a:extLst>
+              <a:ext uri="{FF2B5EF4-FFF2-40B4-BE49-F238E27FC236}">
+                <a16:creationId xmlns:a16="http://schemas.microsoft.com/office/drawing/2014/main" id="{99E8FF56-9995-3EDA-418B-DFFBF32D1A94}"/>
+              </a:ext>
+            </a:extLst>
+          </p:cNvPr>
+          <p:cNvSpPr/>
+          <p:nvPr/>
+        </p:nvSpPr>
+        <p:spPr>
+          <a:xfrm>
+            <a:off x="8037391" y="2862072"/>
+            <a:ext cx="2611212" cy="3492546"/>
+          </a:xfrm>
+          <a:prstGeom prst="rect">
+            <a:avLst/>
+          </a:prstGeom>
+        </p:spPr>
+        <p:style>
+          <a:lnRef idx="2">
+            <a:schemeClr val="accent1">
+              <a:shade val="15000"/>
+            </a:schemeClr>
+          </a:lnRef>
+          <a:fillRef idx="1">
+            <a:schemeClr val="accent1"/>
+          </a:fillRef>
+          <a:effectRef idx="0">
+            <a:schemeClr val="accent1"/>
+          </a:effectRef>
+          <a:fontRef idx="minor">
+            <a:schemeClr val="lt1"/>
+          </a:fontRef>
+        </p:style>
+        <p:txBody>
+          <a:bodyPr rtlCol="0" anchor="ctr"/>
+          <a:lstStyle/>
+          <a:p>
+            <a:pPr algn="ctr"/>
+            <a:r>
+              <a:rPr lang="en-US" dirty="0"/>
+              <a:t>Museum (LTL3)</a:t>
+            </a:r>
+            <a:endParaRPr lang="en-SG" dirty="0"/>
+          </a:p>
+        </p:txBody>
+      </p:sp>
+      <p:sp>
+        <p:nvSpPr>
+          <p:cNvPr id="12" name="Rectangle 11">
+            <a:extLst>
+              <a:ext uri="{FF2B5EF4-FFF2-40B4-BE49-F238E27FC236}">
+                <a16:creationId xmlns:a16="http://schemas.microsoft.com/office/drawing/2014/main" id="{40FD232F-0823-27E7-61D7-7E441BC43011}"/>
+              </a:ext>
+            </a:extLst>
+          </p:cNvPr>
+          <p:cNvSpPr/>
+          <p:nvPr/>
+        </p:nvSpPr>
+        <p:spPr>
+          <a:xfrm>
+            <a:off x="1737360" y="2862072"/>
+            <a:ext cx="2611212" cy="3492546"/>
+          </a:xfrm>
+          <a:prstGeom prst="rect">
+            <a:avLst/>
+          </a:prstGeom>
+          <a:solidFill>
+            <a:schemeClr val="bg1">
+              <a:lumMod val="75000"/>
+            </a:schemeClr>
+          </a:solidFill>
+        </p:spPr>
+        <p:style>
+          <a:lnRef idx="2">
+            <a:schemeClr val="accent1">
+              <a:shade val="15000"/>
+            </a:schemeClr>
+          </a:lnRef>
+          <a:fillRef idx="1">
+            <a:schemeClr val="accent1"/>
+          </a:fillRef>
+          <a:effectRef idx="0">
+            <a:schemeClr val="accent1"/>
+          </a:effectRef>
+          <a:fontRef idx="minor">
+            <a:schemeClr val="lt1"/>
+          </a:fontRef>
+        </p:style>
+        <p:txBody>
+          <a:bodyPr rtlCol="0" anchor="ctr"/>
+          <a:lstStyle/>
+          <a:p>
+            <a:pPr algn="ctr"/>
+            <a:r>
+              <a:rPr lang="en-US" dirty="0"/>
+              <a:t>Museum (LTL3)</a:t>
+            </a:r>
+            <a:endParaRPr lang="en-SG" dirty="0"/>
+          </a:p>
+        </p:txBody>
+      </p:sp>
+      <p:sp>
+        <p:nvSpPr>
+          <p:cNvPr id="13" name="Rectangle 12">
+            <a:extLst>
+              <a:ext uri="{FF2B5EF4-FFF2-40B4-BE49-F238E27FC236}">
+                <a16:creationId xmlns:a16="http://schemas.microsoft.com/office/drawing/2014/main" id="{96EA524F-7548-29D3-DCA5-2983B607B44B}"/>
+              </a:ext>
+            </a:extLst>
+          </p:cNvPr>
+          <p:cNvSpPr/>
+          <p:nvPr/>
+        </p:nvSpPr>
+        <p:spPr>
+          <a:xfrm>
+            <a:off x="3042966" y="1819656"/>
+            <a:ext cx="1556466" cy="374904"/>
+          </a:xfrm>
+          <a:prstGeom prst="rect">
+            <a:avLst/>
+          </a:prstGeom>
+          <a:solidFill>
+            <a:schemeClr val="accent1"/>
+          </a:solidFill>
+        </p:spPr>
+        <p:style>
+          <a:lnRef idx="2">
+            <a:schemeClr val="accent1">
+              <a:shade val="15000"/>
+            </a:schemeClr>
+          </a:lnRef>
+          <a:fillRef idx="1">
+            <a:schemeClr val="accent1"/>
+          </a:fillRef>
+          <a:effectRef idx="0">
+            <a:schemeClr val="accent1"/>
+          </a:effectRef>
+          <a:fontRef idx="minor">
+            <a:schemeClr val="lt1"/>
+          </a:fontRef>
+        </p:style>
+        <p:txBody>
+          <a:bodyPr rtlCol="0" anchor="ctr">
+            <a:normAutofit/>
+          </a:bodyPr>
+          <a:lstStyle/>
+          <a:p>
+            <a:pPr algn="ctr"/>
+            <a:r>
+              <a:rPr lang="en-US" b="1" dirty="0"/>
+              <a:t>Cybersecurity</a:t>
+            </a:r>
+            <a:endParaRPr lang="en-SG" b="1" dirty="0"/>
+          </a:p>
+        </p:txBody>
+      </p:sp>
+      <p:cxnSp>
+        <p:nvCxnSpPr>
+          <p:cNvPr id="15" name="Straight Arrow Connector 14">
+            <a:extLst>
+              <a:ext uri="{FF2B5EF4-FFF2-40B4-BE49-F238E27FC236}">
+                <a16:creationId xmlns:a16="http://schemas.microsoft.com/office/drawing/2014/main" id="{F1A38F41-A8AE-AD7A-B373-6B39391E9B85}"/>
+              </a:ext>
+            </a:extLst>
+          </p:cNvPr>
+          <p:cNvCxnSpPr>
+            <a:cxnSpLocks/>
+          </p:cNvCxnSpPr>
+          <p:nvPr/>
+        </p:nvCxnSpPr>
+        <p:spPr>
+          <a:xfrm>
+            <a:off x="166255" y="2359337"/>
+            <a:ext cx="822036" cy="0"/>
+          </a:xfrm>
+          <a:prstGeom prst="straightConnector1">
+            <a:avLst/>
+          </a:prstGeom>
+          <a:ln w="127000">
+            <a:tailEnd type="triangle"/>
+          </a:ln>
+        </p:spPr>
+        <p:style>
+          <a:lnRef idx="2">
+            <a:schemeClr val="accent1"/>
+          </a:lnRef>
+          <a:fillRef idx="0">
+            <a:schemeClr val="accent1"/>
+          </a:fillRef>
+          <a:effectRef idx="1">
+            <a:schemeClr val="accent1"/>
+          </a:effectRef>
+          <a:fontRef idx="minor">
+            <a:schemeClr val="tx1"/>
+          </a:fontRef>
+        </p:style>
+      </p:cxnSp>
+      <p:sp>
+        <p:nvSpPr>
+          <p:cNvPr id="17" name="Rectangle 16">
+            <a:extLst>
+              <a:ext uri="{FF2B5EF4-FFF2-40B4-BE49-F238E27FC236}">
+                <a16:creationId xmlns:a16="http://schemas.microsoft.com/office/drawing/2014/main" id="{3934ED3F-014B-7026-E735-F2EC1923C205}"/>
+              </a:ext>
+            </a:extLst>
+          </p:cNvPr>
+          <p:cNvSpPr/>
+          <p:nvPr/>
+        </p:nvSpPr>
+        <p:spPr>
+          <a:xfrm>
+            <a:off x="6611112" y="914400"/>
+            <a:ext cx="510955" cy="502920"/>
+          </a:xfrm>
+          <a:prstGeom prst="rect">
+            <a:avLst/>
+          </a:prstGeom>
+        </p:spPr>
+        <p:style>
+          <a:lnRef idx="2">
+            <a:schemeClr val="accent1">
+              <a:shade val="15000"/>
+            </a:schemeClr>
+          </a:lnRef>
+          <a:fillRef idx="1">
+            <a:schemeClr val="accent1"/>
+          </a:fillRef>
+          <a:effectRef idx="0">
+            <a:schemeClr val="accent1"/>
+          </a:effectRef>
+          <a:fontRef idx="minor">
+            <a:schemeClr val="lt1"/>
+          </a:fontRef>
+        </p:style>
+        <p:txBody>
+          <a:bodyPr rtlCol="0" anchor="ctr"/>
+          <a:lstStyle/>
+          <a:p>
+            <a:pPr algn="ctr"/>
+            <a:r>
+              <a:rPr lang="en-US" dirty="0"/>
+              <a:t>Lift</a:t>
+            </a:r>
+            <a:endParaRPr lang="en-SG" dirty="0"/>
+          </a:p>
+        </p:txBody>
+      </p:sp>
+      <p:sp>
+        <p:nvSpPr>
+          <p:cNvPr id="19" name="TextBox 18">
+            <a:extLst>
+              <a:ext uri="{FF2B5EF4-FFF2-40B4-BE49-F238E27FC236}">
+                <a16:creationId xmlns:a16="http://schemas.microsoft.com/office/drawing/2014/main" id="{D09EAA8F-B6CC-F45D-854C-E6F9030A6E24}"/>
+              </a:ext>
+            </a:extLst>
+          </p:cNvPr>
+          <p:cNvSpPr txBox="1"/>
+          <p:nvPr/>
+        </p:nvSpPr>
+        <p:spPr>
+          <a:xfrm>
+            <a:off x="11367249" y="2525513"/>
+            <a:ext cx="1025237" cy="276999"/>
+          </a:xfrm>
+          <a:prstGeom prst="rect">
+            <a:avLst/>
+          </a:prstGeom>
+          <a:noFill/>
+        </p:spPr>
+        <p:txBody>
+          <a:bodyPr wrap="square" rtlCol="0">
+            <a:spAutoFit/>
+          </a:bodyPr>
+          <a:lstStyle/>
+          <a:p>
+            <a:r>
+              <a:rPr lang="en-US" sz="1200" dirty="0"/>
+              <a:t>From SDM</a:t>
+            </a:r>
+            <a:endParaRPr lang="en-SG" sz="1200" dirty="0"/>
+          </a:p>
+        </p:txBody>
+      </p:sp>
+      <p:cxnSp>
+        <p:nvCxnSpPr>
+          <p:cNvPr id="21" name="Straight Arrow Connector 20">
+            <a:extLst>
+              <a:ext uri="{FF2B5EF4-FFF2-40B4-BE49-F238E27FC236}">
+                <a16:creationId xmlns:a16="http://schemas.microsoft.com/office/drawing/2014/main" id="{2AEE31E5-895E-12A3-7057-CF8785E076DB}"/>
+              </a:ext>
+            </a:extLst>
+          </p:cNvPr>
+          <p:cNvCxnSpPr>
+            <a:cxnSpLocks/>
+          </p:cNvCxnSpPr>
+          <p:nvPr/>
+        </p:nvCxnSpPr>
+        <p:spPr>
+          <a:xfrm flipH="1">
+            <a:off x="11357956" y="2359337"/>
+            <a:ext cx="834044" cy="0"/>
+          </a:xfrm>
+          <a:prstGeom prst="straightConnector1">
+            <a:avLst/>
+          </a:prstGeom>
+          <a:ln w="127000">
+            <a:tailEnd type="triangle"/>
+          </a:ln>
+        </p:spPr>
+        <p:style>
+          <a:lnRef idx="2">
+            <a:schemeClr val="accent1"/>
+          </a:lnRef>
+          <a:fillRef idx="0">
+            <a:schemeClr val="accent1"/>
+          </a:fillRef>
+          <a:effectRef idx="1">
+            <a:schemeClr val="accent1"/>
+          </a:effectRef>
+          <a:fontRef idx="minor">
+            <a:schemeClr val="tx1"/>
+          </a:fontRef>
+        </p:style>
+      </p:cxnSp>
+      <p:sp>
+        <p:nvSpPr>
+          <p:cNvPr id="25" name="TextBox 24">
+            <a:extLst>
+              <a:ext uri="{FF2B5EF4-FFF2-40B4-BE49-F238E27FC236}">
+                <a16:creationId xmlns:a16="http://schemas.microsoft.com/office/drawing/2014/main" id="{F6C5FCB6-23EE-A603-10DD-8488443850F7}"/>
+              </a:ext>
+            </a:extLst>
+          </p:cNvPr>
+          <p:cNvSpPr txBox="1"/>
+          <p:nvPr/>
+        </p:nvSpPr>
+        <p:spPr>
+          <a:xfrm>
+            <a:off x="0" y="2525513"/>
+            <a:ext cx="1025237" cy="461665"/>
+          </a:xfrm>
+          <a:prstGeom prst="rect">
+            <a:avLst/>
+          </a:prstGeom>
+          <a:noFill/>
+        </p:spPr>
+        <p:txBody>
+          <a:bodyPr wrap="square" rtlCol="0">
+            <a:spAutoFit/>
+          </a:bodyPr>
+          <a:lstStyle/>
+          <a:p>
+            <a:r>
+              <a:rPr lang="en-US" sz="1200" dirty="0"/>
+              <a:t>From NYP Auditorium</a:t>
+            </a:r>
+            <a:endParaRPr lang="en-SG" sz="1200" dirty="0"/>
+          </a:p>
+        </p:txBody>
+      </p:sp>
+      <p:sp>
+        <p:nvSpPr>
+          <p:cNvPr id="26" name="Rectangle 25">
+            <a:extLst>
+              <a:ext uri="{FF2B5EF4-FFF2-40B4-BE49-F238E27FC236}">
+                <a16:creationId xmlns:a16="http://schemas.microsoft.com/office/drawing/2014/main" id="{2AAA842F-ACE4-10E8-3489-7DA996D4924F}"/>
+              </a:ext>
+            </a:extLst>
+          </p:cNvPr>
+          <p:cNvSpPr/>
+          <p:nvPr/>
+        </p:nvSpPr>
+        <p:spPr>
+          <a:xfrm>
+            <a:off x="9092137" y="2476560"/>
+            <a:ext cx="1556466" cy="374904"/>
+          </a:xfrm>
+          <a:prstGeom prst="rect">
+            <a:avLst/>
+          </a:prstGeom>
+        </p:spPr>
+        <p:style>
+          <a:lnRef idx="2">
+            <a:schemeClr val="accent1">
+              <a:shade val="15000"/>
+            </a:schemeClr>
+          </a:lnRef>
+          <a:fillRef idx="1">
+            <a:schemeClr val="accent1"/>
+          </a:fillRef>
+          <a:effectRef idx="0">
+            <a:schemeClr val="accent1"/>
+          </a:effectRef>
+          <a:fontRef idx="minor">
+            <a:schemeClr val="lt1"/>
+          </a:fontRef>
+        </p:style>
+        <p:txBody>
+          <a:bodyPr rtlCol="0" anchor="ctr">
+            <a:normAutofit/>
+          </a:bodyPr>
+          <a:lstStyle/>
+          <a:p>
+            <a:pPr algn="ctr"/>
+            <a:r>
+              <a:rPr lang="en-US" dirty="0"/>
+              <a:t>Drone</a:t>
+            </a:r>
+            <a:endParaRPr lang="en-SG" dirty="0"/>
+          </a:p>
+        </p:txBody>
+      </p:sp>
+      <p:sp>
+        <p:nvSpPr>
+          <p:cNvPr id="27" name="Rectangle 26">
+            <a:extLst>
+              <a:ext uri="{FF2B5EF4-FFF2-40B4-BE49-F238E27FC236}">
+                <a16:creationId xmlns:a16="http://schemas.microsoft.com/office/drawing/2014/main" id="{FB48E2A9-AD52-C07E-1DF2-802DC902CA83}"/>
+              </a:ext>
+            </a:extLst>
+          </p:cNvPr>
+          <p:cNvSpPr/>
+          <p:nvPr/>
+        </p:nvSpPr>
+        <p:spPr>
+          <a:xfrm>
+            <a:off x="5263896" y="4420893"/>
+            <a:ext cx="1556466" cy="374904"/>
+          </a:xfrm>
+          <a:prstGeom prst="rect">
+            <a:avLst/>
+          </a:prstGeom>
+        </p:spPr>
+        <p:style>
+          <a:lnRef idx="2">
+            <a:schemeClr val="accent1">
+              <a:shade val="15000"/>
+            </a:schemeClr>
+          </a:lnRef>
+          <a:fillRef idx="1">
+            <a:schemeClr val="accent1"/>
+          </a:fillRef>
+          <a:effectRef idx="0">
+            <a:schemeClr val="accent1"/>
+          </a:effectRef>
+          <a:fontRef idx="minor">
+            <a:schemeClr val="lt1"/>
+          </a:fontRef>
+        </p:style>
+        <p:txBody>
+          <a:bodyPr rtlCol="0" anchor="ctr"/>
+          <a:lstStyle/>
+          <a:p>
+            <a:pPr algn="ctr"/>
+            <a:r>
+              <a:rPr lang="en-US" dirty="0"/>
+              <a:t>Redemption</a:t>
+            </a:r>
+            <a:endParaRPr lang="en-SG" dirty="0"/>
+          </a:p>
+        </p:txBody>
+      </p:sp>
+      <p:sp>
+        <p:nvSpPr>
+          <p:cNvPr id="28" name="Rectangle 27">
+            <a:extLst>
+              <a:ext uri="{FF2B5EF4-FFF2-40B4-BE49-F238E27FC236}">
+                <a16:creationId xmlns:a16="http://schemas.microsoft.com/office/drawing/2014/main" id="{E7574273-BF28-A6AC-FDAC-22F334CA6883}"/>
+              </a:ext>
+            </a:extLst>
+          </p:cNvPr>
+          <p:cNvSpPr/>
+          <p:nvPr/>
+        </p:nvSpPr>
+        <p:spPr>
+          <a:xfrm>
+            <a:off x="5565601" y="3003573"/>
+            <a:ext cx="1556466" cy="374904"/>
+          </a:xfrm>
+          <a:prstGeom prst="rect">
+            <a:avLst/>
+          </a:prstGeom>
+          <a:solidFill>
+            <a:schemeClr val="accent1"/>
+          </a:solidFill>
+        </p:spPr>
+        <p:style>
+          <a:lnRef idx="2">
+            <a:schemeClr val="accent1">
+              <a:shade val="15000"/>
+            </a:schemeClr>
+          </a:lnRef>
+          <a:fillRef idx="1">
+            <a:schemeClr val="accent1"/>
+          </a:fillRef>
+          <a:effectRef idx="0">
+            <a:schemeClr val="accent1"/>
+          </a:effectRef>
+          <a:fontRef idx="minor">
+            <a:schemeClr val="lt1"/>
+          </a:fontRef>
+        </p:style>
+        <p:txBody>
+          <a:bodyPr rtlCol="0" anchor="ctr">
+            <a:normAutofit fontScale="77500" lnSpcReduction="20000"/>
+          </a:bodyPr>
+          <a:lstStyle/>
+          <a:p>
+            <a:pPr algn="ctr"/>
+            <a:r>
+              <a:rPr lang="en-US" dirty="0"/>
+              <a:t>FinTech-Blockchain</a:t>
+            </a:r>
+            <a:endParaRPr lang="en-SG" dirty="0"/>
+          </a:p>
+        </p:txBody>
+      </p:sp>
+      <p:sp>
+        <p:nvSpPr>
+          <p:cNvPr id="29" name="Rectangle 28">
+            <a:extLst>
+              <a:ext uri="{FF2B5EF4-FFF2-40B4-BE49-F238E27FC236}">
+                <a16:creationId xmlns:a16="http://schemas.microsoft.com/office/drawing/2014/main" id="{DD73BDF0-F983-0C84-99A3-086E2E281D40}"/>
+              </a:ext>
+            </a:extLst>
+          </p:cNvPr>
+          <p:cNvSpPr/>
+          <p:nvPr/>
+        </p:nvSpPr>
+        <p:spPr>
+          <a:xfrm>
+            <a:off x="5263896" y="1450074"/>
+            <a:ext cx="1556466" cy="374904"/>
+          </a:xfrm>
+          <a:prstGeom prst="rect">
+            <a:avLst/>
+          </a:prstGeom>
+          <a:solidFill>
+            <a:srgbClr val="FF0000"/>
+          </a:solidFill>
+        </p:spPr>
+        <p:style>
+          <a:lnRef idx="2">
+            <a:schemeClr val="accent1">
+              <a:shade val="15000"/>
+            </a:schemeClr>
+          </a:lnRef>
+          <a:fillRef idx="1">
+            <a:schemeClr val="accent1"/>
+          </a:fillRef>
+          <a:effectRef idx="0">
+            <a:schemeClr val="accent1"/>
+          </a:effectRef>
+          <a:fontRef idx="minor">
+            <a:schemeClr val="lt1"/>
+          </a:fontRef>
+        </p:style>
+        <p:txBody>
+          <a:bodyPr rtlCol="0" anchor="ctr">
+            <a:normAutofit/>
+          </a:bodyPr>
+          <a:lstStyle/>
+          <a:p>
+            <a:pPr algn="ctr"/>
+            <a:r>
+              <a:rPr lang="en-US" dirty="0"/>
+              <a:t>AI</a:t>
+            </a:r>
+            <a:endParaRPr lang="en-SG" dirty="0"/>
+          </a:p>
+        </p:txBody>
+      </p:sp>
+      <p:sp>
+        <p:nvSpPr>
+          <p:cNvPr id="30" name="TextBox 29">
+            <a:extLst>
+              <a:ext uri="{FF2B5EF4-FFF2-40B4-BE49-F238E27FC236}">
+                <a16:creationId xmlns:a16="http://schemas.microsoft.com/office/drawing/2014/main" id="{AC36FFD4-1BB7-7A2F-92BC-2EF87B562674}"/>
+              </a:ext>
+            </a:extLst>
+          </p:cNvPr>
+          <p:cNvSpPr txBox="1"/>
+          <p:nvPr/>
+        </p:nvSpPr>
+        <p:spPr>
+          <a:xfrm>
+            <a:off x="4986779" y="329938"/>
+            <a:ext cx="2975173" cy="369332"/>
+          </a:xfrm>
+          <a:prstGeom prst="rect">
+            <a:avLst/>
+          </a:prstGeom>
+          <a:noFill/>
+        </p:spPr>
+        <p:txBody>
+          <a:bodyPr wrap="none" rtlCol="0">
+            <a:spAutoFit/>
+          </a:bodyPr>
+          <a:lstStyle/>
+          <a:p>
+            <a:r>
+              <a:rPr lang="en-US" dirty="0"/>
+              <a:t>Level 2 – Artificial Intelligence</a:t>
+            </a:r>
+            <a:endParaRPr lang="en-SG" dirty="0"/>
+          </a:p>
+        </p:txBody>
+      </p:sp>
+    </p:spTree>
+    <p:extLst>
+      <p:ext uri="{BB962C8B-B14F-4D97-AF65-F5344CB8AC3E}">
+        <p14:creationId xmlns:p14="http://schemas.microsoft.com/office/powerpoint/2010/main" val="970557567"/>
       </p:ext>
     </p:extLst>
   </p:cSld>
